--- a/aruco.pptx
+++ b/aruco.pptx
@@ -5,10 +5,11 @@
     <p:sldMasterId id="2147483660" r:id="rId1"/>
   </p:sldMasterIdLst>
   <p:notesMasterIdLst>
-    <p:notesMasterId r:id="rId3"/>
+    <p:notesMasterId r:id="rId4"/>
   </p:notesMasterIdLst>
   <p:sldIdLst>
     <p:sldId id="256" r:id="rId2"/>
+    <p:sldId id="257" r:id="rId3"/>
   </p:sldIdLst>
   <p:sldSz cx="9144000" cy="6858000" type="letter"/>
   <p:notesSz cx="6858000" cy="9144000"/>
@@ -107,6 +108,11 @@
       </a:defRPr>
     </a:lvl9pPr>
   </p:defaultTextStyle>
+  <p:extLst>
+    <p:ext uri="{EFAFB233-063F-42B5-8137-9DF3F51BA10A}">
+      <p15:sldGuideLst xmlns:p15="http://schemas.microsoft.com/office/powerpoint/2012/main"/>
+    </p:ext>
+  </p:extLst>
 </p:presentation>
 </file>
 
@@ -192,7 +198,7 @@
           <a:p>
             <a:fld id="{3F64136E-3008-4FB3-BEA7-EC251CCCAC83}" type="datetimeFigureOut">
               <a:rPr lang="en-US" smtClean="0"/>
-              <a:t>9/13/2019</a:t>
+              <a:t>9/14/2019</a:t>
             </a:fld>
             <a:endParaRPr lang="en-US"/>
           </a:p>
@@ -590,7 +596,7 @@
           <a:p>
             <a:fld id="{56484673-7EF4-439F-9325-A94F7928B5CA}" type="datetimeFigureOut">
               <a:rPr lang="en-US" smtClean="0"/>
-              <a:t>9/13/2019</a:t>
+              <a:t>9/14/2019</a:t>
             </a:fld>
             <a:endParaRPr lang="en-US"/>
           </a:p>
@@ -760,7 +766,7 @@
           <a:p>
             <a:fld id="{56484673-7EF4-439F-9325-A94F7928B5CA}" type="datetimeFigureOut">
               <a:rPr lang="en-US" smtClean="0"/>
-              <a:t>9/13/2019</a:t>
+              <a:t>9/14/2019</a:t>
             </a:fld>
             <a:endParaRPr lang="en-US"/>
           </a:p>
@@ -940,7 +946,7 @@
           <a:p>
             <a:fld id="{56484673-7EF4-439F-9325-A94F7928B5CA}" type="datetimeFigureOut">
               <a:rPr lang="en-US" smtClean="0"/>
-              <a:t>9/13/2019</a:t>
+              <a:t>9/14/2019</a:t>
             </a:fld>
             <a:endParaRPr lang="en-US"/>
           </a:p>
@@ -1110,7 +1116,7 @@
           <a:p>
             <a:fld id="{56484673-7EF4-439F-9325-A94F7928B5CA}" type="datetimeFigureOut">
               <a:rPr lang="en-US" smtClean="0"/>
-              <a:t>9/13/2019</a:t>
+              <a:t>9/14/2019</a:t>
             </a:fld>
             <a:endParaRPr lang="en-US"/>
           </a:p>
@@ -1354,7 +1360,7 @@
           <a:p>
             <a:fld id="{56484673-7EF4-439F-9325-A94F7928B5CA}" type="datetimeFigureOut">
               <a:rPr lang="en-US" smtClean="0"/>
-              <a:t>9/13/2019</a:t>
+              <a:t>9/14/2019</a:t>
             </a:fld>
             <a:endParaRPr lang="en-US"/>
           </a:p>
@@ -1586,7 +1592,7 @@
           <a:p>
             <a:fld id="{56484673-7EF4-439F-9325-A94F7928B5CA}" type="datetimeFigureOut">
               <a:rPr lang="en-US" smtClean="0"/>
-              <a:t>9/13/2019</a:t>
+              <a:t>9/14/2019</a:t>
             </a:fld>
             <a:endParaRPr lang="en-US"/>
           </a:p>
@@ -1953,7 +1959,7 @@
           <a:p>
             <a:fld id="{56484673-7EF4-439F-9325-A94F7928B5CA}" type="datetimeFigureOut">
               <a:rPr lang="en-US" smtClean="0"/>
-              <a:t>9/13/2019</a:t>
+              <a:t>9/14/2019</a:t>
             </a:fld>
             <a:endParaRPr lang="en-US"/>
           </a:p>
@@ -2071,7 +2077,7 @@
           <a:p>
             <a:fld id="{56484673-7EF4-439F-9325-A94F7928B5CA}" type="datetimeFigureOut">
               <a:rPr lang="en-US" smtClean="0"/>
-              <a:t>9/13/2019</a:t>
+              <a:t>9/14/2019</a:t>
             </a:fld>
             <a:endParaRPr lang="en-US"/>
           </a:p>
@@ -2166,7 +2172,7 @@
           <a:p>
             <a:fld id="{56484673-7EF4-439F-9325-A94F7928B5CA}" type="datetimeFigureOut">
               <a:rPr lang="en-US" smtClean="0"/>
-              <a:t>9/13/2019</a:t>
+              <a:t>9/14/2019</a:t>
             </a:fld>
             <a:endParaRPr lang="en-US"/>
           </a:p>
@@ -2443,7 +2449,7 @@
           <a:p>
             <a:fld id="{56484673-7EF4-439F-9325-A94F7928B5CA}" type="datetimeFigureOut">
               <a:rPr lang="en-US" smtClean="0"/>
-              <a:t>9/13/2019</a:t>
+              <a:t>9/14/2019</a:t>
             </a:fld>
             <a:endParaRPr lang="en-US"/>
           </a:p>
@@ -2700,7 +2706,7 @@
           <a:p>
             <a:fld id="{56484673-7EF4-439F-9325-A94F7928B5CA}" type="datetimeFigureOut">
               <a:rPr lang="en-US" smtClean="0"/>
-              <a:t>9/13/2019</a:t>
+              <a:t>9/14/2019</a:t>
             </a:fld>
             <a:endParaRPr lang="en-US"/>
           </a:p>
@@ -2913,7 +2919,7 @@
           <a:p>
             <a:fld id="{56484673-7EF4-439F-9325-A94F7928B5CA}" type="datetimeFigureOut">
               <a:rPr lang="en-US" smtClean="0"/>
-              <a:t>9/13/2019</a:t>
+              <a:t>9/14/2019</a:t>
             </a:fld>
             <a:endParaRPr lang="en-US"/>
           </a:p>
@@ -3427,6 +3433,71 @@
     <p:extLst>
       <p:ext uri="{BB962C8B-B14F-4D97-AF65-F5344CB8AC3E}">
         <p14:creationId xmlns:p14="http://schemas.microsoft.com/office/powerpoint/2010/main" val="525701370"/>
+      </p:ext>
+    </p:extLst>
+  </p:cSld>
+  <p:clrMapOvr>
+    <a:masterClrMapping/>
+  </p:clrMapOvr>
+</p:sld>
+</file>
+
+<file path=ppt/slides/slide2.xml><?xml version="1.0" encoding="utf-8"?>
+<p:sld xmlns:a="http://schemas.openxmlformats.org/drawingml/2006/main" xmlns:r="http://schemas.openxmlformats.org/officeDocument/2006/relationships" xmlns:p="http://schemas.openxmlformats.org/presentationml/2006/main">
+  <p:cSld>
+    <p:spTree>
+      <p:nvGrpSpPr>
+        <p:cNvPr id="1" name=""/>
+        <p:cNvGrpSpPr/>
+        <p:nvPr/>
+      </p:nvGrpSpPr>
+      <p:grpSpPr>
+        <a:xfrm>
+          <a:off x="0" y="0"/>
+          <a:ext cx="0" cy="0"/>
+          <a:chOff x="0" y="0"/>
+          <a:chExt cx="0" cy="0"/>
+        </a:xfrm>
+      </p:grpSpPr>
+      <p:pic>
+        <p:nvPicPr>
+          <p:cNvPr id="4" name="Picture 3" descr="A close up of a sign&#10;&#10;Description automatically generated">
+            <a:extLst>
+              <a:ext uri="{FF2B5EF4-FFF2-40B4-BE49-F238E27FC236}">
+                <a16:creationId xmlns:a16="http://schemas.microsoft.com/office/drawing/2014/main" id="{5DBBC915-6E16-4AED-B8FD-0953821C54A7}"/>
+              </a:ext>
+            </a:extLst>
+          </p:cNvPr>
+          <p:cNvPicPr>
+            <a:picLocks noChangeAspect="1"/>
+          </p:cNvPicPr>
+          <p:nvPr/>
+        </p:nvPicPr>
+        <p:blipFill rotWithShape="1">
+          <a:blip r:embed="rId2">
+            <a:extLst>
+              <a:ext uri="{28A0092B-C50C-407E-A947-70E740481C1C}">
+                <a14:useLocalDpi xmlns:a14="http://schemas.microsoft.com/office/drawing/2010/main" val="0"/>
+              </a:ext>
+            </a:extLst>
+          </a:blip>
+          <a:srcRect l="5265" r="72394" b="58815"/>
+          <a:stretch/>
+        </p:blipFill>
+        <p:spPr>
+          <a:xfrm rot="16200000">
+            <a:off x="1206265" y="-124397"/>
+            <a:ext cx="6731470" cy="6980264"/>
+          </a:xfrm>
+          <a:prstGeom prst="rect">
+            <a:avLst/>
+          </a:prstGeom>
+        </p:spPr>
+      </p:pic>
+    </p:spTree>
+    <p:extLst>
+      <p:ext uri="{BB962C8B-B14F-4D97-AF65-F5344CB8AC3E}">
+        <p14:creationId xmlns:p14="http://schemas.microsoft.com/office/powerpoint/2010/main" val="2410247057"/>
       </p:ext>
     </p:extLst>
   </p:cSld>
